--- a/design/CinaFlix_Meeting_Minutes_Application_Project3_Presentation_Nafisa_Soeltan.pptx
+++ b/design/CinaFlix_Meeting_Minutes_Application_Project3_Presentation_Nafisa_Soeltan.pptx
@@ -2720,10 +2720,9 @@
           </a:lstStyle>
           <a:p>
             <a:r>
-              <a:rPr lang="en-US"/>
+              <a:rPr lang="en-US" dirty="0"/>
               <a:t>Click icon to add picture</a:t>
             </a:r>
-            <a:endParaRPr lang="en-US" dirty="0"/>
           </a:p>
         </p:txBody>
       </p:sp>
@@ -3716,7 +3715,7 @@
           <a:lstStyle/>
           <a:p>
             <a:pPr algn="ctr"/>
-            <a:endParaRPr lang="en-US"/>
+            <a:endParaRPr lang="en-US" dirty="0"/>
           </a:p>
         </p:txBody>
       </p:sp>
@@ -3790,7 +3789,7 @@
           <a:lstStyle/>
           <a:p>
             <a:pPr lvl="0" algn="ctr"/>
-            <a:endParaRPr lang="en-US"/>
+            <a:endParaRPr lang="en-US" dirty="0"/>
           </a:p>
         </p:txBody>
       </p:sp>
@@ -3823,12 +3822,8 @@
           <a:lstStyle/>
           <a:p>
             <a:r>
-              <a:rPr lang="en-US" sz="4600" dirty="0" err="1"/>
-              <a:t>CinaFlix</a:t>
-            </a:r>
-            <a:r>
-              <a:rPr lang="en-US" sz="4600" dirty="0"/>
-              <a:t> Release Meeting Minutes Application</a:t>
+              <a:rPr lang="en-US" sz="3200" dirty="0"/>
+              <a:t>CINAFLIX - Meeting Minutes Project3 Application</a:t>
             </a:r>
           </a:p>
         </p:txBody>
@@ -3862,19 +3857,19 @@
           <a:lstStyle/>
           <a:p>
             <a:r>
-              <a:rPr lang="en-US"/>
+              <a:rPr lang="en-US" dirty="0"/>
               <a:t>Project 3</a:t>
             </a:r>
           </a:p>
           <a:p>
             <a:r>
-              <a:rPr lang="en-US"/>
+              <a:rPr lang="en-US" dirty="0"/>
               <a:t>Nafisa Soeltan</a:t>
             </a:r>
           </a:p>
           <a:p>
             <a:r>
-              <a:rPr lang="en-US"/>
+              <a:rPr lang="en-US" dirty="0"/>
               <a:t>2019</a:t>
             </a:r>
           </a:p>
@@ -4036,7 +4031,7 @@
             <a:lstStyle/>
             <a:p>
               <a:pPr algn="ctr"/>
-              <a:endParaRPr lang="en-US"/>
+              <a:endParaRPr lang="en-US" dirty="0"/>
             </a:p>
           </p:txBody>
         </p:sp>
@@ -4120,7 +4115,7 @@
             <a:lstStyle/>
             <a:p>
               <a:pPr algn="ctr"/>
-              <a:endParaRPr lang="en-US"/>
+              <a:endParaRPr lang="en-US" dirty="0"/>
             </a:p>
           </p:txBody>
         </p:sp>
@@ -4186,7 +4181,7 @@
           <a:lstStyle/>
           <a:p>
             <a:pPr algn="ctr"/>
-            <a:endParaRPr lang="en-US"/>
+            <a:endParaRPr lang="en-US" dirty="0"/>
           </a:p>
         </p:txBody>
       </p:sp>
@@ -4388,15 +4383,7 @@
             <a:pPr algn="ctr"/>
             <a:r>
               <a:rPr lang="en-US" dirty="0"/>
-              <a:t>a meeting minutes application  that can be leveraged to capture notes for future releases of the existing </a:t>
-            </a:r>
-            <a:r>
-              <a:rPr lang="en-US" dirty="0" err="1"/>
-              <a:t>Cinaflix</a:t>
-            </a:r>
-            <a:r>
-              <a:rPr lang="en-US" dirty="0"/>
-              <a:t> application</a:t>
+              <a:t>a meeting minutes application  that can be leveraged to capture notes for future releases of the existing Cinaflix application</a:t>
             </a:r>
             <a:br>
               <a:rPr lang="en-US" dirty="0"/>
@@ -4629,7 +4616,7 @@
             </a:pPr>
             <a:r>
               <a:rPr lang="en-US" dirty="0"/>
-              <a:t>1. Express.js </a:t>
+              <a:t>Express.js </a:t>
             </a:r>
           </a:p>
           <a:p>
@@ -4639,7 +4626,7 @@
             </a:pPr>
             <a:r>
               <a:rPr lang="en-US" dirty="0"/>
-              <a:t>2. Node.js</a:t>
+              <a:t>Node.js</a:t>
             </a:r>
           </a:p>
           <a:p>
@@ -4649,7 +4636,7 @@
             </a:pPr>
             <a:r>
               <a:rPr lang="en-US" dirty="0"/>
-              <a:t>3. React</a:t>
+              <a:t>React</a:t>
             </a:r>
           </a:p>
           <a:p>
@@ -4659,13 +4646,8 @@
             </a:pPr>
             <a:r>
               <a:rPr lang="en-US" dirty="0"/>
-              <a:t>4. </a:t>
-            </a:r>
-            <a:r>
-              <a:rPr lang="en-US" dirty="0" err="1"/>
-              <a:t>Mongod</a:t>
-            </a:r>
-            <a:endParaRPr lang="en-US" dirty="0"/>
+              <a:t>MongoDB</a:t>
+            </a:r>
           </a:p>
           <a:p>
             <a:pPr marL="457200" indent="-457200">
@@ -4674,17 +4656,8 @@
             </a:pPr>
             <a:r>
               <a:rPr lang="en-US" dirty="0"/>
-              <a:t>5. </a:t>
-            </a:r>
-            <a:r>
-              <a:rPr lang="en-US" dirty="0" err="1"/>
-              <a:t>MongoLab</a:t>
-            </a:r>
-            <a:r>
-              <a:rPr lang="en-US"/>
-              <a:t> Add-on</a:t>
-            </a:r>
-            <a:endParaRPr lang="en-US" dirty="0"/>
+              <a:t>MongoLab Add-on</a:t>
+            </a:r>
           </a:p>
           <a:p>
             <a:pPr marL="457200" indent="-457200">
@@ -4693,7 +4666,7 @@
             </a:pPr>
             <a:r>
               <a:rPr lang="en-US" dirty="0"/>
-              <a:t>5. Bootstrap </a:t>
+              <a:t>Bootstrap </a:t>
             </a:r>
           </a:p>
           <a:p>
@@ -4703,7 +4676,7 @@
             </a:pPr>
             <a:r>
               <a:rPr lang="en-US" dirty="0"/>
-              <a:t>6. Heroku</a:t>
+              <a:t>Heroku</a:t>
             </a:r>
           </a:p>
           <a:p>
@@ -4713,15 +4686,7 @@
             </a:pPr>
             <a:r>
               <a:rPr lang="en-US" dirty="0"/>
-              <a:t>7. </a:t>
-            </a:r>
-            <a:r>
-              <a:rPr lang="en-US" dirty="0" err="1"/>
-              <a:t>Okta</a:t>
-            </a:r>
-            <a:r>
-              <a:rPr lang="en-US" dirty="0"/>
-              <a:t> User Authentication</a:t>
+              <a:t>Okta User Authentication</a:t>
             </a:r>
           </a:p>
         </p:txBody>
@@ -4802,13 +4767,105 @@
         </p:nvSpPr>
         <p:spPr/>
         <p:txBody>
-          <a:bodyPr/>
-          <a:lstStyle/>
-          <a:p>
+          <a:bodyPr>
+            <a:normAutofit fontScale="77500" lnSpcReduction="20000"/>
+          </a:bodyPr>
+          <a:lstStyle/>
+          <a:p>
+            <a:pPr marL="0" indent="0">
+              <a:buNone/>
+            </a:pPr>
             <a:r>
               <a:rPr lang="en-US" dirty="0"/>
               <a:t>Consolidate User Authentication Piece with Meeting Minutes Application to make the app as a whole functional</a:t>
             </a:r>
+          </a:p>
+          <a:p>
+            <a:pPr marL="0" indent="0">
+              <a:buNone/>
+            </a:pPr>
+            <a:endParaRPr lang="en-US" dirty="0"/>
+          </a:p>
+          <a:p>
+            <a:pPr marL="0" indent="0">
+              <a:buNone/>
+            </a:pPr>
+            <a:r>
+              <a:rPr lang="en-US" b="1" dirty="0"/>
+              <a:t>Note: </a:t>
+            </a:r>
+          </a:p>
+          <a:p>
+            <a:pPr marL="0" indent="0">
+              <a:buNone/>
+            </a:pPr>
+            <a:r>
+              <a:rPr lang="en-US" dirty="0"/>
+              <a:t>Currently these 2 pieces exist as 2 separate applications:</a:t>
+            </a:r>
+          </a:p>
+          <a:p>
+            <a:pPr marL="0" indent="0">
+              <a:buNone/>
+            </a:pPr>
+            <a:r>
+              <a:rPr lang="en-US" b="1" dirty="0"/>
+              <a:t>1. ##Deployed # Project3_User_Authentication app on Heroku:</a:t>
+            </a:r>
+            <a:endParaRPr lang="en-US" dirty="0"/>
+          </a:p>
+          <a:p>
+            <a:r>
+              <a:rPr lang="en-US" dirty="0">
+                <a:hlinkClick r:id="rId2"/>
+              </a:rPr>
+              <a:t>https://obscure-dusk-50431.herokuapp.com/</a:t>
+            </a:r>
+            <a:endParaRPr lang="en-US" dirty="0"/>
+          </a:p>
+          <a:p>
+            <a:endParaRPr lang="en-US" dirty="0"/>
+          </a:p>
+          <a:p>
+            <a:pPr marL="0" indent="0">
+              <a:buNone/>
+            </a:pPr>
+            <a:r>
+              <a:rPr lang="en-US" b="1" dirty="0"/>
+              <a:t>2. ##Deployed # </a:t>
+            </a:r>
+            <a:r>
+              <a:rPr lang="en-US" sz="2100" b="1" dirty="0"/>
+              <a:t>Project3_CinaFlix_Meeting_Minutes_Excl_User_Authentication </a:t>
+            </a:r>
+            <a:r>
+              <a:rPr lang="en-US" b="1" dirty="0"/>
+              <a:t>app on Heroku:</a:t>
+            </a:r>
+          </a:p>
+          <a:p>
+            <a:pPr marL="0" indent="0">
+              <a:buNone/>
+            </a:pPr>
+            <a:r>
+              <a:rPr lang="en-US" u="sng" dirty="0">
+                <a:hlinkClick r:id="rId3"/>
+              </a:rPr>
+              <a:t>https://stark-depths-53797.herokuapp.com/</a:t>
+            </a:r>
+            <a:endParaRPr lang="en-US" dirty="0"/>
+          </a:p>
+          <a:p>
+            <a:pPr marL="0" indent="0">
+              <a:buNone/>
+            </a:pPr>
+            <a:endParaRPr lang="en-US" dirty="0"/>
+          </a:p>
+          <a:p>
+            <a:pPr marL="0" indent="0">
+              <a:buNone/>
+            </a:pPr>
+            <a:endParaRPr lang="en-US" dirty="0"/>
           </a:p>
         </p:txBody>
       </p:sp>
@@ -4970,24 +5027,25 @@
         </p:nvSpPr>
         <p:spPr>
           <a:xfrm>
-            <a:off x="1451579" y="349764"/>
+            <a:off x="1451579" y="804519"/>
             <a:ext cx="9603275" cy="1459477"/>
           </a:xfrm>
         </p:spPr>
         <p:txBody>
           <a:bodyPr>
-            <a:normAutofit fontScale="90000"/>
+            <a:normAutofit/>
           </a:bodyPr>
           <a:lstStyle/>
           <a:p>
-            <a:r>
-              <a:rPr lang="en-US" b="1" dirty="0"/>
-              <a:t>Deployed Functional App on Heroku (includes only User Authentication piece):</a:t>
+            <a:pPr algn="ctr"/>
+            <a:r>
+              <a:rPr lang="en-US" sz="2000" b="1" dirty="0"/>
+              <a:t>Deployed Functional - Project3_User_Authentication app (includes only User Authentication piece):</a:t>
             </a:r>
             <a:br>
-              <a:rPr lang="en-US" dirty="0"/>
+              <a:rPr lang="en-US" sz="2000" dirty="0"/>
             </a:br>
-            <a:endParaRPr lang="en-US" dirty="0"/>
+            <a:endParaRPr lang="en-US" sz="2000" dirty="0"/>
           </a:p>
         </p:txBody>
       </p:sp>
@@ -5017,6 +5075,21 @@
           <a:bodyPr/>
           <a:lstStyle/>
           <a:p>
+            <a:pPr marL="0" indent="0" algn="ctr">
+              <a:buNone/>
+            </a:pPr>
+            <a:r>
+              <a:rPr lang="en-US" dirty="0">
+                <a:hlinkClick r:id="rId2"/>
+              </a:rPr>
+              <a:t>https://obscure-dusk-50431.herokuapp.com/</a:t>
+            </a:r>
+            <a:endParaRPr lang="en-US" dirty="0"/>
+          </a:p>
+          <a:p>
+            <a:pPr marL="0" indent="0">
+              <a:buNone/>
+            </a:pPr>
             <a:endParaRPr lang="en-US" dirty="0"/>
           </a:p>
         </p:txBody>
@@ -5069,7 +5142,7 @@
         </p:nvSpPr>
         <p:spPr>
           <a:xfrm>
-            <a:off x="1451579" y="349764"/>
+            <a:off x="1451579" y="442671"/>
             <a:ext cx="9603275" cy="1459477"/>
           </a:xfrm>
         </p:spPr>
@@ -5079,14 +5152,25 @@
           </a:bodyPr>
           <a:lstStyle/>
           <a:p>
-            <a:r>
-              <a:rPr lang="en-US" b="1" dirty="0"/>
-              <a:t>Deployed Functional App on Heroku (includes only Meeting Minutes piece):</a:t>
+            <a:pPr algn="ctr"/>
+            <a:r>
+              <a:rPr lang="en-US" sz="2000" b="1" dirty="0"/>
+              <a:t>Deployed Functional Project3_CinaFlix_Meeting_Minutes_Excl_User_Authentication app </a:t>
             </a:r>
             <a:br>
-              <a:rPr lang="en-US" dirty="0"/>
+              <a:rPr lang="en-US" sz="2000" b="1" dirty="0"/>
             </a:br>
-            <a:endParaRPr lang="en-US" dirty="0"/>
+            <a:br>
+              <a:rPr lang="en-US" sz="2000" b="1" dirty="0"/>
+            </a:br>
+            <a:r>
+              <a:rPr lang="en-US" sz="2000" b="1" dirty="0"/>
+              <a:t>(includes only Meeting Minutes piece):</a:t>
+            </a:r>
+            <a:br>
+              <a:rPr lang="en-US" sz="2000" dirty="0"/>
+            </a:br>
+            <a:endParaRPr lang="en-US" sz="2000" dirty="0"/>
           </a:p>
         </p:txBody>
       </p:sp>
@@ -5115,6 +5199,18 @@
         <p:txBody>
           <a:bodyPr/>
           <a:lstStyle/>
+          <a:p>
+            <a:pPr marL="0" indent="0" algn="ctr">
+              <a:buNone/>
+            </a:pPr>
+            <a:r>
+              <a:rPr lang="en-US" u="sng" dirty="0">
+                <a:hlinkClick r:id="rId2"/>
+              </a:rPr>
+              <a:t>https://stark-depths-53797.herokuapp.com/</a:t>
+            </a:r>
+            <a:endParaRPr lang="en-US" dirty="0"/>
+          </a:p>
           <a:p>
             <a:endParaRPr lang="en-US" dirty="0"/>
           </a:p>
@@ -5174,18 +5270,29 @@
         </p:spPr>
         <p:txBody>
           <a:bodyPr>
-            <a:normAutofit fontScale="90000"/>
+            <a:noAutofit/>
           </a:bodyPr>
           <a:lstStyle/>
           <a:p>
-            <a:r>
-              <a:rPr lang="en-US" b="1" dirty="0"/>
-              <a:t>Deployed Non-Functional App on Heroku (includes consolidated User Authentication &amp; Meeting Minutes pieces):</a:t>
+            <a:pPr algn="ctr"/>
+            <a:r>
+              <a:rPr lang="en-US" sz="2000" b="1" dirty="0"/>
+              <a:t>Deployed Consolidated Non-Functional Meeting_Minutes_Project3 </a:t>
             </a:r>
             <a:br>
-              <a:rPr lang="en-US" dirty="0"/>
+              <a:rPr lang="en-US" sz="2000" b="1" dirty="0"/>
             </a:br>
-            <a:endParaRPr lang="en-US" dirty="0"/>
+            <a:br>
+              <a:rPr lang="en-US" sz="2000" b="1" dirty="0"/>
+            </a:br>
+            <a:r>
+              <a:rPr lang="en-US" sz="2000" b="1" dirty="0"/>
+              <a:t>(includes consolidated User Authentication &amp; Meeting Minutes pieces)</a:t>
+            </a:r>
+            <a:br>
+              <a:rPr lang="en-US" sz="2000" dirty="0"/>
+            </a:br>
+            <a:endParaRPr lang="en-US" sz="2000" dirty="0"/>
           </a:p>
         </p:txBody>
       </p:sp>
@@ -5215,6 +5322,27 @@
           <a:bodyPr/>
           <a:lstStyle/>
           <a:p>
+            <a:pPr marL="0" indent="0" algn="ctr">
+              <a:buNone/>
+            </a:pPr>
+            <a:r>
+              <a:rPr lang="en-US" dirty="0">
+                <a:hlinkClick r:id="rId2"/>
+              </a:rPr>
+              <a:t>https://dry-spire-11344.herokuapp.com/</a:t>
+            </a:r>
+            <a:endParaRPr lang="en-US" dirty="0"/>
+          </a:p>
+          <a:p>
+            <a:pPr marL="0" indent="0">
+              <a:buNone/>
+            </a:pPr>
+            <a:endParaRPr lang="en-US" dirty="0"/>
+          </a:p>
+          <a:p>
+            <a:pPr marL="0" indent="0">
+              <a:buNone/>
+            </a:pPr>
             <a:endParaRPr lang="en-US" dirty="0"/>
           </a:p>
         </p:txBody>
@@ -5305,31 +5433,6 @@
               <a:rPr lang="en-US" sz="5400" dirty="0"/>
               <a:t>Questions</a:t>
             </a:r>
-          </a:p>
-        </p:txBody>
-      </p:sp>
-      <p:sp>
-        <p:nvSpPr>
-          <p:cNvPr id="5" name="Content Placeholder 4">
-            <a:extLst>
-              <a:ext uri="{FF2B5EF4-FFF2-40B4-BE49-F238E27FC236}">
-                <a16:creationId xmlns:a16="http://schemas.microsoft.com/office/drawing/2014/main" id="{DE0A0AC3-BDF1-4BE2-B2BE-6F264E99A24C}"/>
-              </a:ext>
-            </a:extLst>
-          </p:cNvPr>
-          <p:cNvSpPr>
-            <a:spLocks noGrp="1"/>
-          </p:cNvSpPr>
-          <p:nvPr>
-            <p:ph idx="1"/>
-          </p:nvPr>
-        </p:nvSpPr>
-        <p:spPr/>
-        <p:txBody>
-          <a:bodyPr/>
-          <a:lstStyle/>
-          <a:p>
-            <a:endParaRPr lang="en-US" dirty="0"/>
           </a:p>
         </p:txBody>
       </p:sp>
